--- a/ISO_IEC_Document/mpegts/ppt/dolby issues.pptx
+++ b/ISO_IEC_Document/mpegts/ppt/dolby issues.pptx
@@ -883,7 +883,7 @@
             <a:fld id="{E464397B-F195-431B-A77B-CBC18328D7B0}" type="datetimeFigureOut">
               <a:rPr lang="zh-CN" altLang="en-US" smtClean="0"/>
               <a:pPr/>
-              <a:t>2018/9/17</a:t>
+              <a:t>2018/9/25</a:t>
             </a:fld>
             <a:endParaRPr lang="zh-CN" altLang="en-US"/>
           </a:p>
@@ -4009,7 +4009,7 @@
         <p:spPr>
           <a:xfrm>
             <a:off x="10893528" y="3519572"/>
-            <a:ext cx="536365" cy="369332"/>
+            <a:ext cx="527901" cy="369332"/>
           </a:xfrm>
           <a:prstGeom prst="rect">
             <a:avLst/>
@@ -4024,7 +4024,7 @@
           <a:p>
             <a:r>
               <a:rPr lang="en-US" altLang="zh-CN" dirty="0" err="1" smtClean="0"/>
-              <a:t>stsc</a:t>
+              <a:t>stsz</a:t>
             </a:r>
             <a:endParaRPr lang="en-US" altLang="zh-CN" dirty="0" smtClean="0"/>
           </a:p>
@@ -4205,8 +4205,8 @@
         </p:nvSpPr>
         <p:spPr>
           <a:xfrm>
-            <a:off x="10336697" y="1616766"/>
-            <a:ext cx="1032870" cy="307777"/>
+            <a:off x="9777046" y="1616766"/>
+            <a:ext cx="1592521" cy="307777"/>
           </a:xfrm>
           <a:prstGeom prst="rect">
             <a:avLst/>
@@ -4220,8 +4220,12 @@
           <a:lstStyle/>
           <a:p>
             <a:r>
+              <a:rPr lang="en-US" altLang="zh-CN" sz="1400" dirty="0" smtClean="0"/>
+              <a:t>4</a:t>
+            </a:r>
+            <a:r>
               <a:rPr lang="zh-CN" altLang="en-US" sz="1400" dirty="0" smtClean="0"/>
-              <a:t>音频</a:t>
+              <a:t>帧音频</a:t>
             </a:r>
             <a:r>
               <a:rPr lang="zh-CN" altLang="en-US" sz="1400" dirty="0"/>
@@ -4783,47 +4787,47 @@
               <a:buNone/>
             </a:pPr>
             <a:r>
-              <a:rPr lang="en-US" altLang="zh-CN" sz="1900" dirty="0" smtClean="0"/>
+              <a:rPr lang="en-US" altLang="zh-CN" sz="1800" dirty="0" smtClean="0"/>
               <a:t>1</a:t>
             </a:r>
             <a:r>
-              <a:rPr lang="en-US" altLang="zh-CN" sz="1900" dirty="0"/>
+              <a:rPr lang="en-US" altLang="zh-CN" sz="1800" dirty="0"/>
               <a:t>.</a:t>
             </a:r>
             <a:r>
-              <a:rPr lang="zh-CN" altLang="en-US" sz="1900" dirty="0"/>
+              <a:rPr lang="zh-CN" altLang="en-US" sz="1800" dirty="0"/>
               <a:t>设定首个</a:t>
             </a:r>
             <a:r>
-              <a:rPr lang="en-US" altLang="zh-CN" sz="1900" dirty="0"/>
+              <a:rPr lang="en-US" altLang="zh-CN" sz="1800" dirty="0"/>
               <a:t>packet</a:t>
             </a:r>
             <a:r>
-              <a:rPr lang="zh-CN" altLang="en-US" sz="1900" dirty="0"/>
+              <a:rPr lang="zh-CN" altLang="en-US" sz="1800" dirty="0"/>
               <a:t>的</a:t>
             </a:r>
             <a:r>
-              <a:rPr lang="en-US" altLang="zh-CN" sz="1900" dirty="0" err="1"/>
+              <a:rPr lang="en-US" altLang="zh-CN" sz="1800" dirty="0" err="1"/>
               <a:t>pts</a:t>
             </a:r>
             <a:r>
-              <a:rPr lang="zh-CN" altLang="en-US" sz="1900" dirty="0"/>
+              <a:rPr lang="zh-CN" altLang="en-US" sz="1800" dirty="0"/>
               <a:t>时间，此时间是根据</a:t>
             </a:r>
             <a:r>
-              <a:rPr lang="en-US" altLang="zh-CN" sz="1900" dirty="0" err="1"/>
+              <a:rPr lang="en-US" altLang="zh-CN" sz="1800" dirty="0" err="1"/>
               <a:t>ts</a:t>
             </a:r>
             <a:r>
-              <a:rPr lang="zh-CN" altLang="en-US" sz="1900" dirty="0"/>
+              <a:rPr lang="zh-CN" altLang="en-US" sz="1800" dirty="0"/>
               <a:t>中的</a:t>
             </a:r>
             <a:r>
-              <a:rPr lang="en-US" altLang="zh-CN" sz="1900" dirty="0" err="1"/>
+              <a:rPr lang="en-US" altLang="zh-CN" sz="1800" dirty="0" err="1"/>
               <a:t>aac</a:t>
             </a:r>
             <a:r>
-              <a:rPr lang="zh-CN" altLang="en-US" sz="1900" dirty="0"/>
+              <a:rPr lang="zh-CN" altLang="en-US" sz="1800" dirty="0"/>
               <a:t>时间计算得到。</a:t>
             </a:r>
           </a:p>
@@ -4832,27 +4836,27 @@
               <a:buNone/>
             </a:pPr>
             <a:r>
-              <a:rPr lang="en-US" altLang="zh-CN" sz="1900" dirty="0"/>
+              <a:rPr lang="en-US" altLang="zh-CN" sz="1800" dirty="0"/>
               <a:t>2.</a:t>
             </a:r>
             <a:r>
-              <a:rPr lang="zh-CN" altLang="en-US" sz="1900" dirty="0"/>
+              <a:rPr lang="zh-CN" altLang="en-US" sz="1800" dirty="0"/>
               <a:t>从音频数据中读取数据，找到音频帧的起始标记</a:t>
             </a:r>
             <a:r>
-              <a:rPr lang="en-US" altLang="zh-CN" sz="1900" dirty="0"/>
+              <a:rPr lang="en-US" altLang="zh-CN" sz="1800" dirty="0"/>
               <a:t>(0xB077),</a:t>
             </a:r>
             <a:r>
-              <a:rPr lang="zh-CN" altLang="en-US" sz="1900" dirty="0"/>
+              <a:rPr lang="zh-CN" altLang="en-US" sz="1800" dirty="0"/>
               <a:t>以及音频帧的</a:t>
             </a:r>
             <a:r>
-              <a:rPr lang="en-US" altLang="zh-CN" sz="1900" dirty="0"/>
+              <a:rPr lang="en-US" altLang="zh-CN" sz="1800" dirty="0"/>
               <a:t>size</a:t>
             </a:r>
             <a:r>
-              <a:rPr lang="zh-CN" altLang="en-US" sz="1900" dirty="0"/>
+              <a:rPr lang="zh-CN" altLang="en-US" sz="1800" dirty="0"/>
               <a:t>。</a:t>
             </a:r>
           </a:p>
@@ -4861,35 +4865,35 @@
               <a:buNone/>
             </a:pPr>
             <a:r>
-              <a:rPr lang="en-US" altLang="zh-CN" sz="1900" dirty="0"/>
+              <a:rPr lang="en-US" altLang="zh-CN" sz="1800" dirty="0"/>
               <a:t>3.</a:t>
             </a:r>
             <a:r>
-              <a:rPr lang="zh-CN" altLang="en-US" sz="1900" dirty="0"/>
+              <a:rPr lang="zh-CN" altLang="en-US" sz="1800" dirty="0"/>
               <a:t>使用</a:t>
             </a:r>
             <a:r>
-              <a:rPr lang="en-US" altLang="zh-CN" sz="1900" dirty="0" err="1"/>
+              <a:rPr lang="en-US" altLang="zh-CN" sz="1800" dirty="0" err="1"/>
               <a:t>FFmpeg</a:t>
             </a:r>
             <a:r>
-              <a:rPr lang="zh-CN" altLang="en-US" sz="1900" dirty="0"/>
+              <a:rPr lang="zh-CN" altLang="en-US" sz="1800" dirty="0"/>
               <a:t>的</a:t>
             </a:r>
             <a:r>
-              <a:rPr lang="en-US" altLang="zh-CN" sz="1900" dirty="0"/>
+              <a:rPr lang="en-US" altLang="zh-CN" sz="1800" dirty="0"/>
               <a:t>packet</a:t>
             </a:r>
             <a:r>
-              <a:rPr lang="zh-CN" altLang="en-US" sz="1900" dirty="0"/>
+              <a:rPr lang="zh-CN" altLang="en-US" sz="1800" dirty="0"/>
               <a:t>结构，把相应的</a:t>
             </a:r>
             <a:r>
-              <a:rPr lang="en-US" altLang="zh-CN" sz="1900" dirty="0" err="1"/>
+              <a:rPr lang="en-US" altLang="zh-CN" sz="1800" dirty="0" err="1"/>
               <a:t>pts</a:t>
             </a:r>
             <a:r>
-              <a:rPr lang="zh-CN" altLang="en-US" sz="1900" dirty="0"/>
+              <a:rPr lang="zh-CN" altLang="en-US" sz="1800" dirty="0"/>
               <a:t>，以及数据、数据大小等信息填充进去。</a:t>
             </a:r>
           </a:p>
@@ -4898,27 +4902,27 @@
               <a:buNone/>
             </a:pPr>
             <a:r>
-              <a:rPr lang="en-US" altLang="zh-CN" sz="1900" dirty="0"/>
+              <a:rPr lang="en-US" altLang="zh-CN" sz="1800" dirty="0"/>
               <a:t>4.pts</a:t>
             </a:r>
             <a:r>
-              <a:rPr lang="zh-CN" altLang="en-US" sz="1900" dirty="0"/>
+              <a:rPr lang="zh-CN" altLang="en-US" sz="1800" dirty="0"/>
               <a:t>时间累加上</a:t>
             </a:r>
             <a:r>
-              <a:rPr lang="en-US" altLang="zh-CN" sz="1900" dirty="0" err="1"/>
+              <a:rPr lang="en-US" altLang="zh-CN" sz="1800" dirty="0" err="1"/>
               <a:t>frame_duration</a:t>
             </a:r>
             <a:r>
-              <a:rPr lang="en-US" altLang="zh-CN" sz="1900" dirty="0"/>
+              <a:rPr lang="en-US" altLang="zh-CN" sz="1800" dirty="0"/>
               <a:t>, </a:t>
             </a:r>
             <a:r>
-              <a:rPr lang="zh-CN" altLang="en-US" sz="1900" dirty="0"/>
+              <a:rPr lang="zh-CN" altLang="en-US" sz="1800" dirty="0"/>
               <a:t>继续重复步骤</a:t>
             </a:r>
             <a:r>
-              <a:rPr lang="en-US" altLang="zh-CN" sz="1900" dirty="0"/>
+              <a:rPr lang="en-US" altLang="zh-CN" sz="1800" dirty="0"/>
               <a:t>2.</a:t>
             </a:r>
           </a:p>
@@ -8680,11 +8684,6 @@
                         </a:rPr>
                         <a:t>Continuity</a:t>
                       </a:r>
-                      <a:endParaRPr lang="en-US" altLang="zh-CN" sz="1200" b="0" dirty="0" smtClean="0">
-                        <a:solidFill>
-                          <a:schemeClr val="tx1"/>
-                        </a:solidFill>
-                      </a:endParaRPr>
                     </a:p>
                     <a:p>
                       <a:r>
@@ -16405,7 +16404,7 @@
           <a:p>
             <a:r>
               <a:rPr lang="zh-CN" altLang="en-US" dirty="0" smtClean="0"/>
-              <a:t>关于结束时间的计算：</a:t>
+              <a:t>关于时长的计算：</a:t>
             </a:r>
             <a:endParaRPr lang="en-US" altLang="zh-CN" dirty="0" smtClean="0"/>
           </a:p>
